--- a/files/HUDP_INFORMS_Opt.pptx
+++ b/files/HUDP_INFORMS_Opt.pptx
@@ -6751,7 +6751,7 @@
         <p:spPr>
           <a:xfrm>
             <a:off x="617220" y="1569106"/>
-            <a:ext cx="7781713" cy="3139321"/>
+            <a:ext cx="7781713" cy="2862322"/>
           </a:xfrm>
           <a:prstGeom prst="rect">
             <a:avLst/>
@@ -6784,7 +6784,7 @@
                   <a:schemeClr val="tx2"/>
                 </a:solidFill>
               </a:rPr>
-              <a:t>A single price is optimal for HUDP. Value of discrimination in BUDP IID settings is due solely to quasi-linear utility maximizing effects.</a:t>
+              <a:t>A single price is optimal for HUDP.</a:t>
             </a:r>
           </a:p>
           <a:p>
@@ -6821,23 +6821,7 @@
                   <a:schemeClr val="tx2"/>
                 </a:solidFill>
               </a:rPr>
-              <a:t>Single price approximates the optimal when </a:t>
-            </a:r>
-            <a:r>
-              <a:rPr lang="en-US" dirty="0" err="1">
-                <a:solidFill>
-                  <a:schemeClr val="tx2"/>
-                </a:solidFill>
-              </a:rPr>
-              <a:t>indep</a:t>
-            </a:r>
-            <a:r>
-              <a:rPr lang="en-US" dirty="0">
-                <a:solidFill>
-                  <a:schemeClr val="tx2"/>
-                </a:solidFill>
-              </a:rPr>
-              <a:t>. and MHR.</a:t>
+              <a:t>Single price approximates the optimal differentiated pricing.</a:t>
             </a:r>
           </a:p>
           <a:p>
@@ -6869,7 +6853,7 @@
                   <a:schemeClr val="tx2"/>
                 </a:solidFill>
               </a:rPr>
-              <a:t>Single price is not optimal, but approximates optimal</a:t>
+              <a:t>Single price is not optimal, but can approximate the optimal</a:t>
             </a:r>
           </a:p>
           <a:p>
@@ -10584,7 +10568,7 @@
             </a:pPr>
             <a:r>
               <a:rPr lang="en-US" sz="2000" dirty="0"/>
-              <a:t>For any positive valued distribution V ~ F such that valuations are for drawn N items are drawn IID, a </a:t>
+              <a:t>For any positive valued distribution V ~ F such that valuations for N items are drawn IID, a </a:t>
             </a:r>
             <a:r>
               <a:rPr lang="en-US" sz="2000" b="1" dirty="0"/>
@@ -10592,7 +10576,7 @@
             </a:r>
             <a:r>
               <a:rPr lang="en-US" sz="2000" dirty="0"/>
-              <a:t>for all items maximizes Hicksian revenue.</a:t>
+              <a:t>for all items maximizes expected Hicksian revenue.</a:t>
             </a:r>
           </a:p>
           <a:p>
@@ -11124,7 +11108,7 @@
             </a:pPr>
             <a:r>
               <a:rPr lang="en-US" sz="2000" dirty="0"/>
-              <a:t>For any positive valued distribution V ~ F such that valuations are for drawn N items are drawn IID, a </a:t>
+              <a:t>For any positive valued distribution V ~ F such that valuations for N items are drawn IID, a </a:t>
             </a:r>
             <a:r>
               <a:rPr lang="en-US" sz="2000" b="1" dirty="0"/>
@@ -11132,7 +11116,7 @@
             </a:r>
             <a:r>
               <a:rPr lang="en-US" sz="2000" dirty="0"/>
-              <a:t>for all items maximizes Hicksian revenue.</a:t>
+              <a:t>for all items maximizes expected Hicksian revenue.</a:t>
             </a:r>
           </a:p>
           <a:p>
@@ -11578,7 +11562,7 @@
             </a:pPr>
             <a:r>
               <a:rPr lang="en-US" sz="2000" dirty="0"/>
-              <a:t>For any positive valued distribution V ~ F such that valuations are for drawn N items are drawn IID, a </a:t>
+              <a:t>For any positive valued distribution V ~ F such that valuations for N items are drawn IID, a </a:t>
             </a:r>
             <a:r>
               <a:rPr lang="en-US" sz="2000" b="1" dirty="0"/>
@@ -11586,7 +11570,7 @@
             </a:r>
             <a:r>
               <a:rPr lang="en-US" sz="2000" dirty="0"/>
-              <a:t>for all items maximizes Hicksian revenue.</a:t>
+              <a:t>for all items maximizes expected Hicksian revenue.</a:t>
             </a:r>
           </a:p>
           <a:p>
@@ -12102,7 +12086,7 @@
             </a:pPr>
             <a:r>
               <a:rPr lang="en-US" sz="2000" dirty="0"/>
-              <a:t>For any positive valued distribution V ~ F such that valuations are for drawn N items are drawn IID, a </a:t>
+              <a:t>For any positive valued distribution V ~ F such that valuations for N items are drawn IID, a </a:t>
             </a:r>
             <a:r>
               <a:rPr lang="en-US" sz="2000" b="1" dirty="0"/>
@@ -12110,7 +12094,7 @@
             </a:r>
             <a:r>
               <a:rPr lang="en-US" sz="2000" dirty="0"/>
-              <a:t>for all items maximizes Hicksian revenue.</a:t>
+              <a:t>for all items maximizes expected Hicksian revenue.</a:t>
             </a:r>
           </a:p>
           <a:p>
@@ -12799,7 +12783,7 @@
             </a:r>
             <a:r>
               <a:rPr lang="en-US" sz="2000" dirty="0"/>
-              <a:t>} such that valuations are for drawn N items are independently IID, a single price is a 2.302.. approximation of the optimal Hicksian differentiated pricing revenue.</a:t>
+              <a:t>} such that valuations for N items are drawn independently, a single price is a 2.302.. approximation of the optimal Hicksian differentiated pricing revenue.</a:t>
             </a:r>
           </a:p>
           <a:p>
@@ -13149,9 +13133,7 @@
             <a:r>
               <a:rPr lang="en-US" sz="2000" b="1" dirty="0">
                 <a:solidFill>
-                  <a:schemeClr val="tx1">
-                    <a:lumMod val="50000"/>
-                  </a:schemeClr>
+                  <a:schemeClr val="accent1"/>
                 </a:solidFill>
               </a:rPr>
               <a:t>MHR</a:t>
@@ -13166,7 +13148,7 @@
             </a:r>
             <a:r>
               <a:rPr lang="en-US" sz="2000" dirty="0"/>
-              <a:t>} such that valuations are for drawn N items are independently IID, a single price is a 2.302.. approximation of the optimal Hicksian differentiated pricing revenue.</a:t>
+              <a:t>} such that valuations for N items are drawn independently, a single price is a 2.302.. approximation of the optimal Hicksian differentiated pricing revenue.</a:t>
             </a:r>
           </a:p>
           <a:p>
@@ -13659,7 +13641,7 @@
             </a:r>
             <a:r>
               <a:rPr lang="en-US" sz="2000" dirty="0"/>
-              <a:t>} such that valuations are for drawn N items are independently IID, a single price is a 2.302.. approximation of the optimal Hicksian differentiated pricing revenue.</a:t>
+              <a:t>} such that valuations for N items are drawn independently, a single price is a 2.302.. approximation of the optimal Hicksian differentiated pricing revenue.</a:t>
             </a:r>
           </a:p>
           <a:p>
@@ -14904,7 +14886,7 @@
             </a:r>
             <a:r>
               <a:rPr lang="en-US" sz="2000" dirty="0"/>
-              <a:t>} such that valuations are for drawn N items are independently IID, a single price is a 2.302.. approximation of the optimal Hicksian differentiated pricing revenue.</a:t>
+              <a:t>} such that valuations for N items are drawn independently, a single price is a 2.302.. approximation of the optimal Hicksian differentiated pricing revenue.</a:t>
             </a:r>
           </a:p>
           <a:p>
@@ -18844,7 +18826,7 @@
 </file>
 
 <file path=ppt/slides/slide6.xml><?xml version="1.0" encoding="utf-8"?>
-<p:sld xmlns:a="http://schemas.openxmlformats.org/drawingml/2006/main" xmlns:r="http://schemas.openxmlformats.org/officeDocument/2006/relationships" xmlns:p="http://schemas.openxmlformats.org/presentationml/2006/main">
+<p:sld xmlns:a="http://schemas.openxmlformats.org/drawingml/2006/main" xmlns:r="http://schemas.openxmlformats.org/officeDocument/2006/relationships" xmlns:p="http://schemas.openxmlformats.org/presentationml/2006/main" show="0">
   <p:cSld>
     <p:spTree>
       <p:nvGrpSpPr>
